--- a/物理化学/物理化学/01_绪论.pptx
+++ b/物理化学/物理化学/01_绪论.pptx
@@ -4,8 +4,11 @@
   <p:sldMasterIdLst>
     <p:sldMasterId id="2147483650" r:id="rId1"/>
   </p:sldMasterIdLst>
+  <p:notesMasterIdLst>
+    <p:notesMasterId r:id="rId3"/>
+  </p:notesMasterIdLst>
   <p:sldIdLst>
-    <p:sldId id="257" r:id="rId2"/>
+    <p:sldId id="258" r:id="rId2"/>
   </p:sldIdLst>
   <p:sldSz cx="9144000" cy="6858000" type="screen4x3"/>
   <p:notesSz cx="6858000" cy="9144000"/>
@@ -104,11 +107,366 @@
       </a:defRPr>
     </a:lvl9pPr>
   </p:defaultTextStyle>
+  <p:extLst>
+    <p:ext uri="{EFAFB233-063F-42B5-8137-9DF3F51BA10A}">
+      <p15:sldGuideLst xmlns:p15="http://schemas.microsoft.com/office/powerpoint/2012/main"/>
+    </p:ext>
+  </p:extLst>
 </p:presentation>
 </file>
 
+<file path=ppt/notesMasters/notesMaster1.xml><?xml version="1.0" encoding="utf-8"?>
+<p:notesMaster xmlns:a="http://schemas.openxmlformats.org/drawingml/2006/main" xmlns:r="http://schemas.openxmlformats.org/officeDocument/2006/relationships" xmlns:p="http://schemas.openxmlformats.org/presentationml/2006/main">
+  <p:cSld>
+    <p:bg>
+      <p:bgRef idx="1001">
+        <a:schemeClr val="bg1"/>
+      </p:bgRef>
+    </p:bg>
+    <p:spTree>
+      <p:nvGrpSpPr>
+        <p:cNvPr id="1" name=""/>
+        <p:cNvGrpSpPr/>
+        <p:nvPr/>
+      </p:nvGrpSpPr>
+      <p:grpSpPr>
+        <a:xfrm>
+          <a:off x="0" y="0"/>
+          <a:ext cx="0" cy="0"/>
+          <a:chOff x="0" y="0"/>
+          <a:chExt cx="0" cy="0"/>
+        </a:xfrm>
+      </p:grpSpPr>
+      <p:sp>
+        <p:nvSpPr>
+          <p:cNvPr id="2" name="页眉占位符 1"/>
+          <p:cNvSpPr>
+            <a:spLocks noGrp="1"/>
+          </p:cNvSpPr>
+          <p:nvPr>
+            <p:ph type="hdr" sz="quarter"/>
+          </p:nvPr>
+        </p:nvSpPr>
+        <p:spPr>
+          <a:xfrm>
+            <a:off x="0" y="0"/>
+            <a:ext cx="2971800" cy="458788"/>
+          </a:xfrm>
+          <a:prstGeom prst="rect">
+            <a:avLst/>
+          </a:prstGeom>
+        </p:spPr>
+        <p:txBody>
+          <a:bodyPr vert="horz" lIns="91440" tIns="45720" rIns="91440" bIns="45720" rtlCol="0"/>
+          <a:lstStyle>
+            <a:lvl1pPr algn="l">
+              <a:defRPr sz="1200"/>
+            </a:lvl1pPr>
+          </a:lstStyle>
+          <a:p>
+            <a:endParaRPr lang="zh-CN" altLang="en-US"/>
+          </a:p>
+        </p:txBody>
+      </p:sp>
+      <p:sp>
+        <p:nvSpPr>
+          <p:cNvPr id="3" name="日期占位符 2"/>
+          <p:cNvSpPr>
+            <a:spLocks noGrp="1"/>
+          </p:cNvSpPr>
+          <p:nvPr>
+            <p:ph type="dt" idx="1"/>
+          </p:nvPr>
+        </p:nvSpPr>
+        <p:spPr>
+          <a:xfrm>
+            <a:off x="3884613" y="0"/>
+            <a:ext cx="2971800" cy="458788"/>
+          </a:xfrm>
+          <a:prstGeom prst="rect">
+            <a:avLst/>
+          </a:prstGeom>
+        </p:spPr>
+        <p:txBody>
+          <a:bodyPr vert="horz" lIns="91440" tIns="45720" rIns="91440" bIns="45720" rtlCol="0"/>
+          <a:lstStyle>
+            <a:lvl1pPr algn="r">
+              <a:defRPr sz="1200"/>
+            </a:lvl1pPr>
+          </a:lstStyle>
+          <a:p>
+            <a:fld id="{B36614AB-4D11-43C8-B663-05D0B3F36D9B}" type="datetimeFigureOut">
+              <a:rPr lang="zh-CN" altLang="en-US" smtClean="0"/>
+              <a:t>2020/7/12</a:t>
+            </a:fld>
+            <a:endParaRPr lang="zh-CN" altLang="en-US"/>
+          </a:p>
+        </p:txBody>
+      </p:sp>
+      <p:sp>
+        <p:nvSpPr>
+          <p:cNvPr id="4" name="幻灯片图像占位符 3"/>
+          <p:cNvSpPr>
+            <a:spLocks noGrp="1" noRot="1" noChangeAspect="1"/>
+          </p:cNvSpPr>
+          <p:nvPr>
+            <p:ph type="sldImg" idx="2"/>
+          </p:nvPr>
+        </p:nvSpPr>
+        <p:spPr>
+          <a:xfrm>
+            <a:off x="1371600" y="1143000"/>
+            <a:ext cx="4114800" cy="3086100"/>
+          </a:xfrm>
+          <a:prstGeom prst="rect">
+            <a:avLst/>
+          </a:prstGeom>
+          <a:noFill/>
+          <a:ln w="12700">
+            <a:solidFill>
+              <a:prstClr val="black"/>
+            </a:solidFill>
+          </a:ln>
+        </p:spPr>
+        <p:txBody>
+          <a:bodyPr vert="horz" lIns="91440" tIns="45720" rIns="91440" bIns="45720" rtlCol="0" anchor="ctr"/>
+          <a:lstStyle/>
+          <a:p>
+            <a:endParaRPr lang="zh-CN" altLang="en-US"/>
+          </a:p>
+        </p:txBody>
+      </p:sp>
+      <p:sp>
+        <p:nvSpPr>
+          <p:cNvPr id="5" name="备注占位符 4"/>
+          <p:cNvSpPr>
+            <a:spLocks noGrp="1"/>
+          </p:cNvSpPr>
+          <p:nvPr>
+            <p:ph type="body" sz="quarter" idx="3"/>
+          </p:nvPr>
+        </p:nvSpPr>
+        <p:spPr>
+          <a:xfrm>
+            <a:off x="685800" y="4400550"/>
+            <a:ext cx="5486400" cy="3600450"/>
+          </a:xfrm>
+          <a:prstGeom prst="rect">
+            <a:avLst/>
+          </a:prstGeom>
+        </p:spPr>
+        <p:txBody>
+          <a:bodyPr vert="horz" lIns="91440" tIns="45720" rIns="91440" bIns="45720" rtlCol="0"/>
+          <a:lstStyle/>
+          <a:p>
+            <a:pPr lvl="0"/>
+            <a:r>
+              <a:rPr lang="zh-CN" altLang="en-US" smtClean="0"/>
+              <a:t>编辑母版文本样式</a:t>
+            </a:r>
+          </a:p>
+          <a:p>
+            <a:pPr lvl="1"/>
+            <a:r>
+              <a:rPr lang="zh-CN" altLang="en-US" smtClean="0"/>
+              <a:t>第二级</a:t>
+            </a:r>
+          </a:p>
+          <a:p>
+            <a:pPr lvl="2"/>
+            <a:r>
+              <a:rPr lang="zh-CN" altLang="en-US" smtClean="0"/>
+              <a:t>第三级</a:t>
+            </a:r>
+          </a:p>
+          <a:p>
+            <a:pPr lvl="3"/>
+            <a:r>
+              <a:rPr lang="zh-CN" altLang="en-US" smtClean="0"/>
+              <a:t>第四级</a:t>
+            </a:r>
+          </a:p>
+          <a:p>
+            <a:pPr lvl="4"/>
+            <a:r>
+              <a:rPr lang="zh-CN" altLang="en-US" smtClean="0"/>
+              <a:t>第五级</a:t>
+            </a:r>
+            <a:endParaRPr lang="zh-CN" altLang="en-US"/>
+          </a:p>
+        </p:txBody>
+      </p:sp>
+      <p:sp>
+        <p:nvSpPr>
+          <p:cNvPr id="6" name="页脚占位符 5"/>
+          <p:cNvSpPr>
+            <a:spLocks noGrp="1"/>
+          </p:cNvSpPr>
+          <p:nvPr>
+            <p:ph type="ftr" sz="quarter" idx="4"/>
+          </p:nvPr>
+        </p:nvSpPr>
+        <p:spPr>
+          <a:xfrm>
+            <a:off x="0" y="8685213"/>
+            <a:ext cx="2971800" cy="458787"/>
+          </a:xfrm>
+          <a:prstGeom prst="rect">
+            <a:avLst/>
+          </a:prstGeom>
+        </p:spPr>
+        <p:txBody>
+          <a:bodyPr vert="horz" lIns="91440" tIns="45720" rIns="91440" bIns="45720" rtlCol="0" anchor="b"/>
+          <a:lstStyle>
+            <a:lvl1pPr algn="l">
+              <a:defRPr sz="1200"/>
+            </a:lvl1pPr>
+          </a:lstStyle>
+          <a:p>
+            <a:endParaRPr lang="zh-CN" altLang="en-US"/>
+          </a:p>
+        </p:txBody>
+      </p:sp>
+      <p:sp>
+        <p:nvSpPr>
+          <p:cNvPr id="7" name="灯片编号占位符 6"/>
+          <p:cNvSpPr>
+            <a:spLocks noGrp="1"/>
+          </p:cNvSpPr>
+          <p:nvPr>
+            <p:ph type="sldNum" sz="quarter" idx="5"/>
+          </p:nvPr>
+        </p:nvSpPr>
+        <p:spPr>
+          <a:xfrm>
+            <a:off x="3884613" y="8685213"/>
+            <a:ext cx="2971800" cy="458787"/>
+          </a:xfrm>
+          <a:prstGeom prst="rect">
+            <a:avLst/>
+          </a:prstGeom>
+        </p:spPr>
+        <p:txBody>
+          <a:bodyPr vert="horz" lIns="91440" tIns="45720" rIns="91440" bIns="45720" rtlCol="0" anchor="b"/>
+          <a:lstStyle>
+            <a:lvl1pPr algn="r">
+              <a:defRPr sz="1200"/>
+            </a:lvl1pPr>
+          </a:lstStyle>
+          <a:p>
+            <a:fld id="{3E58C137-B4D4-405B-9004-1508D8AC8C72}" type="slidenum">
+              <a:rPr lang="zh-CN" altLang="en-US" smtClean="0"/>
+              <a:t>‹#›</a:t>
+            </a:fld>
+            <a:endParaRPr lang="zh-CN" altLang="en-US"/>
+          </a:p>
+        </p:txBody>
+      </p:sp>
+    </p:spTree>
+    <p:extLst>
+      <p:ext uri="{BB962C8B-B14F-4D97-AF65-F5344CB8AC3E}">
+        <p14:creationId xmlns:p14="http://schemas.microsoft.com/office/powerpoint/2010/main" val="3437082186"/>
+      </p:ext>
+    </p:extLst>
+  </p:cSld>
+  <p:clrMap bg1="lt1" tx1="dk1" bg2="lt2" tx2="dk2" accent1="accent1" accent2="accent2" accent3="accent3" accent4="accent4" accent5="accent5" accent6="accent6" hlink="hlink" folHlink="folHlink"/>
+  <p:notesStyle>
+    <a:lvl1pPr marL="0" algn="l" defTabSz="914400" rtl="0" eaLnBrk="1" latinLnBrk="0" hangingPunct="1">
+      <a:defRPr sz="1200" kern="1200">
+        <a:solidFill>
+          <a:schemeClr val="tx1"/>
+        </a:solidFill>
+        <a:latin typeface="+mn-lt"/>
+        <a:ea typeface="+mn-ea"/>
+        <a:cs typeface="+mn-cs"/>
+      </a:defRPr>
+    </a:lvl1pPr>
+    <a:lvl2pPr marL="457200" algn="l" defTabSz="914400" rtl="0" eaLnBrk="1" latinLnBrk="0" hangingPunct="1">
+      <a:defRPr sz="1200" kern="1200">
+        <a:solidFill>
+          <a:schemeClr val="tx1"/>
+        </a:solidFill>
+        <a:latin typeface="+mn-lt"/>
+        <a:ea typeface="+mn-ea"/>
+        <a:cs typeface="+mn-cs"/>
+      </a:defRPr>
+    </a:lvl2pPr>
+    <a:lvl3pPr marL="914400" algn="l" defTabSz="914400" rtl="0" eaLnBrk="1" latinLnBrk="0" hangingPunct="1">
+      <a:defRPr sz="1200" kern="1200">
+        <a:solidFill>
+          <a:schemeClr val="tx1"/>
+        </a:solidFill>
+        <a:latin typeface="+mn-lt"/>
+        <a:ea typeface="+mn-ea"/>
+        <a:cs typeface="+mn-cs"/>
+      </a:defRPr>
+    </a:lvl3pPr>
+    <a:lvl4pPr marL="1371600" algn="l" defTabSz="914400" rtl="0" eaLnBrk="1" latinLnBrk="0" hangingPunct="1">
+      <a:defRPr sz="1200" kern="1200">
+        <a:solidFill>
+          <a:schemeClr val="tx1"/>
+        </a:solidFill>
+        <a:latin typeface="+mn-lt"/>
+        <a:ea typeface="+mn-ea"/>
+        <a:cs typeface="+mn-cs"/>
+      </a:defRPr>
+    </a:lvl4pPr>
+    <a:lvl5pPr marL="1828800" algn="l" defTabSz="914400" rtl="0" eaLnBrk="1" latinLnBrk="0" hangingPunct="1">
+      <a:defRPr sz="1200" kern="1200">
+        <a:solidFill>
+          <a:schemeClr val="tx1"/>
+        </a:solidFill>
+        <a:latin typeface="+mn-lt"/>
+        <a:ea typeface="+mn-ea"/>
+        <a:cs typeface="+mn-cs"/>
+      </a:defRPr>
+    </a:lvl5pPr>
+    <a:lvl6pPr marL="2286000" algn="l" defTabSz="914400" rtl="0" eaLnBrk="1" latinLnBrk="0" hangingPunct="1">
+      <a:defRPr sz="1200" kern="1200">
+        <a:solidFill>
+          <a:schemeClr val="tx1"/>
+        </a:solidFill>
+        <a:latin typeface="+mn-lt"/>
+        <a:ea typeface="+mn-ea"/>
+        <a:cs typeface="+mn-cs"/>
+      </a:defRPr>
+    </a:lvl6pPr>
+    <a:lvl7pPr marL="2743200" algn="l" defTabSz="914400" rtl="0" eaLnBrk="1" latinLnBrk="0" hangingPunct="1">
+      <a:defRPr sz="1200" kern="1200">
+        <a:solidFill>
+          <a:schemeClr val="tx1"/>
+        </a:solidFill>
+        <a:latin typeface="+mn-lt"/>
+        <a:ea typeface="+mn-ea"/>
+        <a:cs typeface="+mn-cs"/>
+      </a:defRPr>
+    </a:lvl7pPr>
+    <a:lvl8pPr marL="3200400" algn="l" defTabSz="914400" rtl="0" eaLnBrk="1" latinLnBrk="0" hangingPunct="1">
+      <a:defRPr sz="1200" kern="1200">
+        <a:solidFill>
+          <a:schemeClr val="tx1"/>
+        </a:solidFill>
+        <a:latin typeface="+mn-lt"/>
+        <a:ea typeface="+mn-ea"/>
+        <a:cs typeface="+mn-cs"/>
+      </a:defRPr>
+    </a:lvl8pPr>
+    <a:lvl9pPr marL="3657600" algn="l" defTabSz="914400" rtl="0" eaLnBrk="1" latinLnBrk="0" hangingPunct="1">
+      <a:defRPr sz="1200" kern="1200">
+        <a:solidFill>
+          <a:schemeClr val="tx1"/>
+        </a:solidFill>
+        <a:latin typeface="+mn-lt"/>
+        <a:ea typeface="+mn-ea"/>
+        <a:cs typeface="+mn-cs"/>
+      </a:defRPr>
+    </a:lvl9pPr>
+  </p:notesStyle>
+</p:notesMaster>
+</file>
+
 <file path=ppt/slideLayouts/slideLayout1.xml><?xml version="1.0" encoding="utf-8"?>
-<p:sldLayout xmlns:a="http://schemas.openxmlformats.org/drawingml/2006/main" xmlns:r="http://schemas.openxmlformats.org/officeDocument/2006/relationships" xmlns:p="http://schemas.openxmlformats.org/presentationml/2006/main" type="title" preserve="1">
+<p:sldLayout xmlns:a="http://schemas.openxmlformats.org/drawingml/2006/main" xmlns:r="http://schemas.openxmlformats.org/officeDocument/2006/relationships" xmlns:p="http://schemas.openxmlformats.org/presentationml/2006/main" preserve="1" userDrawn="1">
   <p:cSld name="标题幻灯片">
     <p:spTree>
       <p:nvGrpSpPr>
@@ -126,170 +484,6 @@
       </p:grpSpPr>
       <p:sp>
         <p:nvSpPr>
-          <p:cNvPr id="2" name="Title 1"/>
-          <p:cNvSpPr>
-            <a:spLocks noGrp="1"/>
-          </p:cNvSpPr>
-          <p:nvPr>
-            <p:ph type="ctrTitle"/>
-          </p:nvPr>
-        </p:nvSpPr>
-        <p:spPr>
-          <a:xfrm>
-            <a:off x="685800" y="1122363"/>
-            <a:ext cx="7772400" cy="2387600"/>
-          </a:xfrm>
-        </p:spPr>
-        <p:txBody>
-          <a:bodyPr anchor="b"/>
-          <a:lstStyle>
-            <a:lvl1pPr algn="ctr">
-              <a:defRPr sz="6000">
-                <a:latin typeface="Arial" panose="020B0604020202020204" pitchFamily="34" charset="0"/>
-                <a:ea typeface="微软雅黑" panose="020B0503020204020204" pitchFamily="34" charset="-122"/>
-                <a:cs typeface="Arial" panose="020B0604020202020204" pitchFamily="34" charset="0"/>
-              </a:defRPr>
-            </a:lvl1pPr>
-          </a:lstStyle>
-          <a:p>
-            <a:r>
-              <a:rPr lang="zh-CN" altLang="en-US" smtClean="0"/>
-              <a:t>单击此处编辑母版标题样式</a:t>
-            </a:r>
-            <a:endParaRPr lang="en-US" dirty="0"/>
-          </a:p>
-        </p:txBody>
-      </p:sp>
-      <p:sp>
-        <p:nvSpPr>
-          <p:cNvPr id="3" name="Subtitle 2"/>
-          <p:cNvSpPr>
-            <a:spLocks noGrp="1"/>
-          </p:cNvSpPr>
-          <p:nvPr>
-            <p:ph type="subTitle" idx="1"/>
-          </p:nvPr>
-        </p:nvSpPr>
-        <p:spPr>
-          <a:xfrm>
-            <a:off x="1143000" y="3602038"/>
-            <a:ext cx="6858000" cy="1655762"/>
-          </a:xfrm>
-        </p:spPr>
-        <p:txBody>
-          <a:bodyPr/>
-          <a:lstStyle>
-            <a:lvl1pPr marL="0" indent="0" algn="ctr">
-              <a:buNone/>
-              <a:defRPr sz="2400">
-                <a:latin typeface="Arial" panose="020B0604020202020204" pitchFamily="34" charset="0"/>
-                <a:ea typeface="微软雅黑" panose="020B0503020204020204" pitchFamily="34" charset="-122"/>
-                <a:cs typeface="Arial" panose="020B0604020202020204" pitchFamily="34" charset="0"/>
-              </a:defRPr>
-            </a:lvl1pPr>
-            <a:lvl2pPr marL="457200" indent="0" algn="ctr">
-              <a:buNone/>
-              <a:defRPr sz="2000"/>
-            </a:lvl2pPr>
-            <a:lvl3pPr marL="914400" indent="0" algn="ctr">
-              <a:buNone/>
-              <a:defRPr sz="1800"/>
-            </a:lvl3pPr>
-            <a:lvl4pPr marL="1371600" indent="0" algn="ctr">
-              <a:buNone/>
-              <a:defRPr sz="1600"/>
-            </a:lvl4pPr>
-            <a:lvl5pPr marL="1828800" indent="0" algn="ctr">
-              <a:buNone/>
-              <a:defRPr sz="1600"/>
-            </a:lvl5pPr>
-            <a:lvl6pPr marL="2286000" indent="0" algn="ctr">
-              <a:buNone/>
-              <a:defRPr sz="1600"/>
-            </a:lvl6pPr>
-            <a:lvl7pPr marL="2743200" indent="0" algn="ctr">
-              <a:buNone/>
-              <a:defRPr sz="1600"/>
-            </a:lvl7pPr>
-            <a:lvl8pPr marL="3200400" indent="0" algn="ctr">
-              <a:buNone/>
-              <a:defRPr sz="1600"/>
-            </a:lvl8pPr>
-            <a:lvl9pPr marL="3657600" indent="0" algn="ctr">
-              <a:buNone/>
-              <a:defRPr sz="1600"/>
-            </a:lvl9pPr>
-          </a:lstStyle>
-          <a:p>
-            <a:r>
-              <a:rPr lang="zh-CN" altLang="en-US" smtClean="0"/>
-              <a:t>单击以编辑母版副标题样式</a:t>
-            </a:r>
-            <a:endParaRPr lang="en-US" dirty="0"/>
-          </a:p>
-        </p:txBody>
-      </p:sp>
-      <p:sp>
-        <p:nvSpPr>
-          <p:cNvPr id="4" name="Date Placeholder 3"/>
-          <p:cNvSpPr>
-            <a:spLocks noGrp="1"/>
-          </p:cNvSpPr>
-          <p:nvPr>
-            <p:ph type="dt" sz="half" idx="10"/>
-          </p:nvPr>
-        </p:nvSpPr>
-        <p:spPr/>
-        <p:txBody>
-          <a:bodyPr/>
-          <a:lstStyle>
-            <a:lvl1pPr>
-              <a:defRPr>
-                <a:latin typeface="Arial" panose="020B0604020202020204" pitchFamily="34" charset="0"/>
-                <a:ea typeface="微软雅黑" panose="020B0503020204020204" pitchFamily="34" charset="-122"/>
-                <a:cs typeface="Arial" panose="020B0604020202020204" pitchFamily="34" charset="0"/>
-              </a:defRPr>
-            </a:lvl1pPr>
-          </a:lstStyle>
-          <a:p>
-            <a:fld id="{6D06AF74-085C-40D0-8BE8-9C8ECA3A85AD}" type="datetimeFigureOut">
-              <a:rPr lang="zh-CN" altLang="en-US" smtClean="0"/>
-              <a:pPr/>
-              <a:t>2020/7/7</a:t>
-            </a:fld>
-            <a:endParaRPr lang="zh-CN" altLang="en-US"/>
-          </a:p>
-        </p:txBody>
-      </p:sp>
-      <p:sp>
-        <p:nvSpPr>
-          <p:cNvPr id="5" name="Footer Placeholder 4"/>
-          <p:cNvSpPr>
-            <a:spLocks noGrp="1"/>
-          </p:cNvSpPr>
-          <p:nvPr>
-            <p:ph type="ftr" sz="quarter" idx="11"/>
-          </p:nvPr>
-        </p:nvSpPr>
-        <p:spPr/>
-        <p:txBody>
-          <a:bodyPr/>
-          <a:lstStyle>
-            <a:lvl1pPr>
-              <a:defRPr>
-                <a:latin typeface="Arial" panose="020B0604020202020204" pitchFamily="34" charset="0"/>
-                <a:ea typeface="微软雅黑" panose="020B0503020204020204" pitchFamily="34" charset="-122"/>
-                <a:cs typeface="Arial" panose="020B0604020202020204" pitchFamily="34" charset="0"/>
-              </a:defRPr>
-            </a:lvl1pPr>
-          </a:lstStyle>
-          <a:p>
-            <a:endParaRPr lang="zh-CN" altLang="en-US"/>
-          </a:p>
-        </p:txBody>
-      </p:sp>
-      <p:sp>
-        <p:nvSpPr>
           <p:cNvPr id="6" name="Slide Number Placeholder 5"/>
           <p:cNvSpPr>
             <a:spLocks noGrp="1"/>
@@ -298,12 +492,20 @@
             <p:ph type="sldNum" sz="quarter" idx="12"/>
           </p:nvPr>
         </p:nvSpPr>
-        <p:spPr/>
+        <p:spPr>
+          <a:xfrm>
+            <a:off x="8606792" y="201906"/>
+            <a:ext cx="654776" cy="365125"/>
+          </a:xfrm>
+          <a:prstGeom prst="rect">
+            <a:avLst/>
+          </a:prstGeom>
+        </p:spPr>
         <p:txBody>
           <a:bodyPr/>
           <a:lstStyle>
             <a:lvl1pPr>
-              <a:defRPr>
+              <a:defRPr sz="1400">
                 <a:latin typeface="Arial" panose="020B0604020202020204" pitchFamily="34" charset="0"/>
                 <a:ea typeface="微软雅黑" panose="020B0503020204020204" pitchFamily="34" charset="-122"/>
                 <a:cs typeface="Arial" panose="020B0604020202020204" pitchFamily="34" charset="0"/>
@@ -342,8 +544,8 @@
         </p:blipFill>
         <p:spPr>
           <a:xfrm>
-            <a:off x="239375" y="261006"/>
-            <a:ext cx="1281839" cy="1278559"/>
+            <a:off x="200844" y="201906"/>
+            <a:ext cx="721847" cy="720000"/>
           </a:xfrm>
           <a:prstGeom prst="rect">
             <a:avLst/>
@@ -367,6 +569,22 @@
       </p:par>
     </p:tnLst>
   </p:timing>
+  <p:extLst>
+    <p:ext uri="{DCECCB84-F9BA-43D5-87BE-67443E8EF086}">
+      <p15:sldGuideLst xmlns:p15="http://schemas.microsoft.com/office/powerpoint/2012/main">
+        <p15:guide id="1" orient="horz" pos="2160" userDrawn="1">
+          <p15:clr>
+            <a:srgbClr val="FBAE40"/>
+          </p15:clr>
+        </p15:guide>
+        <p15:guide id="2" pos="2880" userDrawn="1">
+          <p15:clr>
+            <a:srgbClr val="FBAE40"/>
+          </p15:clr>
+        </p15:guide>
+      </p15:sldGuideLst>
+    </p:ext>
+  </p:extLst>
 </p:sldLayout>
 </file>
 
@@ -392,231 +610,6 @@
           <a:chExt cx="0" cy="0"/>
         </a:xfrm>
       </p:grpSpPr>
-      <p:sp>
-        <p:nvSpPr>
-          <p:cNvPr id="2" name="Title Placeholder 1"/>
-          <p:cNvSpPr>
-            <a:spLocks noGrp="1"/>
-          </p:cNvSpPr>
-          <p:nvPr>
-            <p:ph type="title"/>
-          </p:nvPr>
-        </p:nvSpPr>
-        <p:spPr>
-          <a:xfrm>
-            <a:off x="628650" y="365126"/>
-            <a:ext cx="7886700" cy="1325563"/>
-          </a:xfrm>
-          <a:prstGeom prst="rect">
-            <a:avLst/>
-          </a:prstGeom>
-        </p:spPr>
-        <p:txBody>
-          <a:bodyPr vert="horz" lIns="91440" tIns="45720" rIns="91440" bIns="45720" rtlCol="0" anchor="ctr">
-            <a:normAutofit/>
-          </a:bodyPr>
-          <a:lstStyle/>
-          <a:p>
-            <a:r>
-              <a:rPr lang="zh-CN" altLang="en-US" smtClean="0"/>
-              <a:t>单击此处编辑母版标题样式</a:t>
-            </a:r>
-            <a:endParaRPr lang="en-US" dirty="0"/>
-          </a:p>
-        </p:txBody>
-      </p:sp>
-      <p:sp>
-        <p:nvSpPr>
-          <p:cNvPr id="3" name="Text Placeholder 2"/>
-          <p:cNvSpPr>
-            <a:spLocks noGrp="1"/>
-          </p:cNvSpPr>
-          <p:nvPr>
-            <p:ph type="body" idx="1"/>
-          </p:nvPr>
-        </p:nvSpPr>
-        <p:spPr>
-          <a:xfrm>
-            <a:off x="628650" y="1825625"/>
-            <a:ext cx="7886700" cy="4351338"/>
-          </a:xfrm>
-          <a:prstGeom prst="rect">
-            <a:avLst/>
-          </a:prstGeom>
-        </p:spPr>
-        <p:txBody>
-          <a:bodyPr vert="horz" lIns="91440" tIns="45720" rIns="91440" bIns="45720" rtlCol="0">
-            <a:normAutofit/>
-          </a:bodyPr>
-          <a:lstStyle/>
-          <a:p>
-            <a:pPr lvl="0"/>
-            <a:r>
-              <a:rPr lang="zh-CN" altLang="en-US" smtClean="0"/>
-              <a:t>编辑母版文本样式</a:t>
-            </a:r>
-          </a:p>
-          <a:p>
-            <a:pPr lvl="1"/>
-            <a:r>
-              <a:rPr lang="zh-CN" altLang="en-US" smtClean="0"/>
-              <a:t>第二级</a:t>
-            </a:r>
-          </a:p>
-          <a:p>
-            <a:pPr lvl="2"/>
-            <a:r>
-              <a:rPr lang="zh-CN" altLang="en-US" smtClean="0"/>
-              <a:t>第三级</a:t>
-            </a:r>
-          </a:p>
-          <a:p>
-            <a:pPr lvl="3"/>
-            <a:r>
-              <a:rPr lang="zh-CN" altLang="en-US" smtClean="0"/>
-              <a:t>第四级</a:t>
-            </a:r>
-          </a:p>
-          <a:p>
-            <a:pPr lvl="4"/>
-            <a:r>
-              <a:rPr lang="zh-CN" altLang="en-US" smtClean="0"/>
-              <a:t>第五级</a:t>
-            </a:r>
-            <a:endParaRPr lang="en-US" dirty="0"/>
-          </a:p>
-        </p:txBody>
-      </p:sp>
-      <p:sp>
-        <p:nvSpPr>
-          <p:cNvPr id="4" name="Date Placeholder 3"/>
-          <p:cNvSpPr>
-            <a:spLocks noGrp="1"/>
-          </p:cNvSpPr>
-          <p:nvPr>
-            <p:ph type="dt" sz="half" idx="2"/>
-          </p:nvPr>
-        </p:nvSpPr>
-        <p:spPr>
-          <a:xfrm>
-            <a:off x="628650" y="6356351"/>
-            <a:ext cx="2057400" cy="365125"/>
-          </a:xfrm>
-          <a:prstGeom prst="rect">
-            <a:avLst/>
-          </a:prstGeom>
-        </p:spPr>
-        <p:txBody>
-          <a:bodyPr vert="horz" lIns="91440" tIns="45720" rIns="91440" bIns="45720" rtlCol="0" anchor="ctr"/>
-          <a:lstStyle>
-            <a:lvl1pPr algn="l">
-              <a:defRPr sz="1200">
-                <a:solidFill>
-                  <a:schemeClr val="tx1">
-                    <a:tint val="75000"/>
-                  </a:schemeClr>
-                </a:solidFill>
-                <a:latin typeface="Arial" panose="020B0604020202020204" pitchFamily="34" charset="0"/>
-                <a:ea typeface="微软雅黑" panose="020B0503020204020204" pitchFamily="34" charset="-122"/>
-                <a:cs typeface="Arial" panose="020B0604020202020204" pitchFamily="34" charset="0"/>
-              </a:defRPr>
-            </a:lvl1pPr>
-          </a:lstStyle>
-          <a:p>
-            <a:fld id="{6D06AF74-085C-40D0-8BE8-9C8ECA3A85AD}" type="datetimeFigureOut">
-              <a:rPr lang="zh-CN" altLang="en-US" smtClean="0"/>
-              <a:pPr/>
-              <a:t>2020/7/7</a:t>
-            </a:fld>
-            <a:endParaRPr lang="zh-CN" altLang="en-US"/>
-          </a:p>
-        </p:txBody>
-      </p:sp>
-      <p:sp>
-        <p:nvSpPr>
-          <p:cNvPr id="5" name="Footer Placeholder 4"/>
-          <p:cNvSpPr>
-            <a:spLocks noGrp="1"/>
-          </p:cNvSpPr>
-          <p:nvPr>
-            <p:ph type="ftr" sz="quarter" idx="3"/>
-          </p:nvPr>
-        </p:nvSpPr>
-        <p:spPr>
-          <a:xfrm>
-            <a:off x="3028950" y="6356351"/>
-            <a:ext cx="3086100" cy="365125"/>
-          </a:xfrm>
-          <a:prstGeom prst="rect">
-            <a:avLst/>
-          </a:prstGeom>
-        </p:spPr>
-        <p:txBody>
-          <a:bodyPr vert="horz" lIns="91440" tIns="45720" rIns="91440" bIns="45720" rtlCol="0" anchor="ctr"/>
-          <a:lstStyle>
-            <a:lvl1pPr algn="ctr">
-              <a:defRPr sz="1200">
-                <a:solidFill>
-                  <a:schemeClr val="tx1">
-                    <a:tint val="75000"/>
-                  </a:schemeClr>
-                </a:solidFill>
-                <a:latin typeface="Arial" panose="020B0604020202020204" pitchFamily="34" charset="0"/>
-                <a:ea typeface="微软雅黑" panose="020B0503020204020204" pitchFamily="34" charset="-122"/>
-                <a:cs typeface="Arial" panose="020B0604020202020204" pitchFamily="34" charset="0"/>
-              </a:defRPr>
-            </a:lvl1pPr>
-          </a:lstStyle>
-          <a:p>
-            <a:endParaRPr lang="zh-CN" altLang="en-US"/>
-          </a:p>
-        </p:txBody>
-      </p:sp>
-      <p:sp>
-        <p:nvSpPr>
-          <p:cNvPr id="6" name="Slide Number Placeholder 5"/>
-          <p:cNvSpPr>
-            <a:spLocks noGrp="1"/>
-          </p:cNvSpPr>
-          <p:nvPr>
-            <p:ph type="sldNum" sz="quarter" idx="4"/>
-          </p:nvPr>
-        </p:nvSpPr>
-        <p:spPr>
-          <a:xfrm>
-            <a:off x="6457950" y="6356351"/>
-            <a:ext cx="2057400" cy="365125"/>
-          </a:xfrm>
-          <a:prstGeom prst="rect">
-            <a:avLst/>
-          </a:prstGeom>
-        </p:spPr>
-        <p:txBody>
-          <a:bodyPr vert="horz" lIns="91440" tIns="45720" rIns="91440" bIns="45720" rtlCol="0" anchor="ctr"/>
-          <a:lstStyle>
-            <a:lvl1pPr algn="r">
-              <a:defRPr sz="1200">
-                <a:solidFill>
-                  <a:schemeClr val="tx1">
-                    <a:tint val="75000"/>
-                  </a:schemeClr>
-                </a:solidFill>
-                <a:latin typeface="Arial" panose="020B0604020202020204" pitchFamily="34" charset="0"/>
-                <a:ea typeface="微软雅黑" panose="020B0503020204020204" pitchFamily="34" charset="-122"/>
-                <a:cs typeface="Arial" panose="020B0604020202020204" pitchFamily="34" charset="0"/>
-              </a:defRPr>
-            </a:lvl1pPr>
-          </a:lstStyle>
-          <a:p>
-            <a:fld id="{F43F25FD-3841-40BB-A811-9ED12EDF79D2}" type="slidenum">
-              <a:rPr lang="zh-CN" altLang="en-US" smtClean="0"/>
-              <a:pPr/>
-              <a:t>‹#›</a:t>
-            </a:fld>
-            <a:endParaRPr lang="zh-CN" altLang="en-US"/>
-          </a:p>
-        </p:txBody>
-      </p:sp>
     </p:spTree>
     <p:extLst>
       <p:ext uri="{BB962C8B-B14F-4D97-AF65-F5344CB8AC3E}">
@@ -635,6 +628,7 @@
       </p:par>
     </p:tnLst>
   </p:timing>
+  <p:hf hdr="0" ftr="0" dt="0"/>
   <p:txStyles>
     <p:titleStyle>
       <a:lvl1pPr algn="l" defTabSz="914400" rtl="0" eaLnBrk="1" latinLnBrk="0" hangingPunct="1">
@@ -937,12 +931,12 @@
       </p:grpSpPr>
       <p:sp>
         <p:nvSpPr>
-          <p:cNvPr id="2" name="标题 1"/>
+          <p:cNvPr id="2" name="灯片编号占位符 1"/>
           <p:cNvSpPr>
             <a:spLocks noGrp="1"/>
           </p:cNvSpPr>
           <p:nvPr>
-            <p:ph type="ctrTitle"/>
+            <p:ph type="sldNum" sz="quarter" idx="12"/>
           </p:nvPr>
         </p:nvSpPr>
         <p:spPr/>
@@ -950,25 +944,11 @@
           <a:bodyPr/>
           <a:lstStyle/>
           <a:p>
-            <a:endParaRPr lang="zh-CN" altLang="en-US"/>
-          </a:p>
-        </p:txBody>
-      </p:sp>
-      <p:sp>
-        <p:nvSpPr>
-          <p:cNvPr id="3" name="副标题 2"/>
-          <p:cNvSpPr>
-            <a:spLocks noGrp="1"/>
-          </p:cNvSpPr>
-          <p:nvPr>
-            <p:ph type="subTitle" idx="1"/>
-          </p:nvPr>
-        </p:nvSpPr>
-        <p:spPr/>
-        <p:txBody>
-          <a:bodyPr/>
-          <a:lstStyle/>
-          <a:p>
+            <a:fld id="{F43F25FD-3841-40BB-A811-9ED12EDF79D2}" type="slidenum">
+              <a:rPr lang="zh-CN" altLang="en-US" smtClean="0"/>
+              <a:pPr/>
+              <a:t>1</a:t>
+            </a:fld>
             <a:endParaRPr lang="zh-CN" altLang="en-US"/>
           </a:p>
         </p:txBody>
@@ -976,7 +956,7 @@
     </p:spTree>
     <p:extLst>
       <p:ext uri="{BB962C8B-B14F-4D97-AF65-F5344CB8AC3E}">
-        <p14:creationId xmlns:p14="http://schemas.microsoft.com/office/powerpoint/2010/main" val="2996685296"/>
+        <p14:creationId xmlns:p14="http://schemas.microsoft.com/office/powerpoint/2010/main" val="1754555729"/>
       </p:ext>
     </p:extLst>
   </p:cSld>
@@ -1252,4 +1232,265 @@
     </a:ext>
   </a:extLst>
 </a:theme>
+</file>
+
+<file path=ppt/theme/theme2.xml><?xml version="1.0" encoding="utf-8"?>
+<a:theme xmlns:a="http://schemas.openxmlformats.org/drawingml/2006/main" name="Office 主题​​">
+  <a:themeElements>
+    <a:clrScheme name="Office">
+      <a:dk1>
+        <a:sysClr val="windowText" lastClr="000000"/>
+      </a:dk1>
+      <a:lt1>
+        <a:sysClr val="window" lastClr="FFFFFF"/>
+      </a:lt1>
+      <a:dk2>
+        <a:srgbClr val="44546A"/>
+      </a:dk2>
+      <a:lt2>
+        <a:srgbClr val="E7E6E6"/>
+      </a:lt2>
+      <a:accent1>
+        <a:srgbClr val="5B9BD5"/>
+      </a:accent1>
+      <a:accent2>
+        <a:srgbClr val="ED7D31"/>
+      </a:accent2>
+      <a:accent3>
+        <a:srgbClr val="A5A5A5"/>
+      </a:accent3>
+      <a:accent4>
+        <a:srgbClr val="FFC000"/>
+      </a:accent4>
+      <a:accent5>
+        <a:srgbClr val="4472C4"/>
+      </a:accent5>
+      <a:accent6>
+        <a:srgbClr val="70AD47"/>
+      </a:accent6>
+      <a:hlink>
+        <a:srgbClr val="0563C1"/>
+      </a:hlink>
+      <a:folHlink>
+        <a:srgbClr val="954F72"/>
+      </a:folHlink>
+    </a:clrScheme>
+    <a:fontScheme name="Office">
+      <a:majorFont>
+        <a:latin typeface="等线 Light" panose="020F0302020204030204"/>
+        <a:ea typeface=""/>
+        <a:cs typeface=""/>
+        <a:font script="Jpan" typeface="游ゴシック Light"/>
+        <a:font script="Hang" typeface="맑은 고딕"/>
+        <a:font script="Hans" typeface="等线 Light"/>
+        <a:font script="Hant" typeface="新細明體"/>
+        <a:font script="Arab" typeface="Times New Roman"/>
+        <a:font script="Hebr" typeface="Times New Roman"/>
+        <a:font script="Thai" typeface="Angsana New"/>
+        <a:font script="Ethi" typeface="Nyala"/>
+        <a:font script="Beng" typeface="Vrinda"/>
+        <a:font script="Gujr" typeface="Shruti"/>
+        <a:font script="Khmr" typeface="MoolBoran"/>
+        <a:font script="Knda" typeface="Tunga"/>
+        <a:font script="Guru" typeface="Raavi"/>
+        <a:font script="Cans" typeface="Euphemia"/>
+        <a:font script="Cher" typeface="Plantagenet Cherokee"/>
+        <a:font script="Yiii" typeface="Microsoft Yi Baiti"/>
+        <a:font script="Tibt" typeface="Microsoft Himalaya"/>
+        <a:font script="Thaa" typeface="MV Boli"/>
+        <a:font script="Deva" typeface="Mangal"/>
+        <a:font script="Telu" typeface="Gautami"/>
+        <a:font script="Taml" typeface="Latha"/>
+        <a:font script="Syrc" typeface="Estrangelo Edessa"/>
+        <a:font script="Orya" typeface="Kalinga"/>
+        <a:font script="Mlym" typeface="Kartika"/>
+        <a:font script="Laoo" typeface="DokChampa"/>
+        <a:font script="Sinh" typeface="Iskoola Pota"/>
+        <a:font script="Mong" typeface="Mongolian Baiti"/>
+        <a:font script="Viet" typeface="Times New Roman"/>
+        <a:font script="Uigh" typeface="Microsoft Uighur"/>
+        <a:font script="Geor" typeface="Sylfaen"/>
+      </a:majorFont>
+      <a:minorFont>
+        <a:latin typeface="等线" panose="020F0502020204030204"/>
+        <a:ea typeface=""/>
+        <a:cs typeface=""/>
+        <a:font script="Jpan" typeface="游ゴシック"/>
+        <a:font script="Hang" typeface="맑은 고딕"/>
+        <a:font script="Hans" typeface="等线"/>
+        <a:font script="Hant" typeface="新細明體"/>
+        <a:font script="Arab" typeface="Arial"/>
+        <a:font script="Hebr" typeface="Arial"/>
+        <a:font script="Thai" typeface="Cordia New"/>
+        <a:font script="Ethi" typeface="Nyala"/>
+        <a:font script="Beng" typeface="Vrinda"/>
+        <a:font script="Gujr" typeface="Shruti"/>
+        <a:font script="Khmr" typeface="DaunPenh"/>
+        <a:font script="Knda" typeface="Tunga"/>
+        <a:font script="Guru" typeface="Raavi"/>
+        <a:font script="Cans" typeface="Euphemia"/>
+        <a:font script="Cher" typeface="Plantagenet Cherokee"/>
+        <a:font script="Yiii" typeface="Microsoft Yi Baiti"/>
+        <a:font script="Tibt" typeface="Microsoft Himalaya"/>
+        <a:font script="Thaa" typeface="MV Boli"/>
+        <a:font script="Deva" typeface="Mangal"/>
+        <a:font script="Telu" typeface="Gautami"/>
+        <a:font script="Taml" typeface="Latha"/>
+        <a:font script="Syrc" typeface="Estrangelo Edessa"/>
+        <a:font script="Orya" typeface="Kalinga"/>
+        <a:font script="Mlym" typeface="Kartika"/>
+        <a:font script="Laoo" typeface="DokChampa"/>
+        <a:font script="Sinh" typeface="Iskoola Pota"/>
+        <a:font script="Mong" typeface="Mongolian Baiti"/>
+        <a:font script="Viet" typeface="Arial"/>
+        <a:font script="Uigh" typeface="Microsoft Uighur"/>
+        <a:font script="Geor" typeface="Sylfaen"/>
+      </a:minorFont>
+    </a:fontScheme>
+    <a:fmtScheme name="Office">
+      <a:fillStyleLst>
+        <a:solidFill>
+          <a:schemeClr val="phClr"/>
+        </a:solidFill>
+        <a:gradFill rotWithShape="1">
+          <a:gsLst>
+            <a:gs pos="0">
+              <a:schemeClr val="phClr">
+                <a:lumMod val="110000"/>
+                <a:satMod val="105000"/>
+                <a:tint val="67000"/>
+              </a:schemeClr>
+            </a:gs>
+            <a:gs pos="50000">
+              <a:schemeClr val="phClr">
+                <a:lumMod val="105000"/>
+                <a:satMod val="103000"/>
+                <a:tint val="73000"/>
+              </a:schemeClr>
+            </a:gs>
+            <a:gs pos="100000">
+              <a:schemeClr val="phClr">
+                <a:lumMod val="105000"/>
+                <a:satMod val="109000"/>
+                <a:tint val="81000"/>
+              </a:schemeClr>
+            </a:gs>
+          </a:gsLst>
+          <a:lin ang="5400000" scaled="0"/>
+        </a:gradFill>
+        <a:gradFill rotWithShape="1">
+          <a:gsLst>
+            <a:gs pos="0">
+              <a:schemeClr val="phClr">
+                <a:satMod val="103000"/>
+                <a:lumMod val="102000"/>
+                <a:tint val="94000"/>
+              </a:schemeClr>
+            </a:gs>
+            <a:gs pos="50000">
+              <a:schemeClr val="phClr">
+                <a:satMod val="110000"/>
+                <a:lumMod val="100000"/>
+                <a:shade val="100000"/>
+              </a:schemeClr>
+            </a:gs>
+            <a:gs pos="100000">
+              <a:schemeClr val="phClr">
+                <a:lumMod val="99000"/>
+                <a:satMod val="120000"/>
+                <a:shade val="78000"/>
+              </a:schemeClr>
+            </a:gs>
+          </a:gsLst>
+          <a:lin ang="5400000" scaled="0"/>
+        </a:gradFill>
+      </a:fillStyleLst>
+      <a:lnStyleLst>
+        <a:ln w="6350" cap="flat" cmpd="sng" algn="ctr">
+          <a:solidFill>
+            <a:schemeClr val="phClr"/>
+          </a:solidFill>
+          <a:prstDash val="solid"/>
+          <a:miter lim="800000"/>
+        </a:ln>
+        <a:ln w="12700" cap="flat" cmpd="sng" algn="ctr">
+          <a:solidFill>
+            <a:schemeClr val="phClr"/>
+          </a:solidFill>
+          <a:prstDash val="solid"/>
+          <a:miter lim="800000"/>
+        </a:ln>
+        <a:ln w="19050" cap="flat" cmpd="sng" algn="ctr">
+          <a:solidFill>
+            <a:schemeClr val="phClr"/>
+          </a:solidFill>
+          <a:prstDash val="solid"/>
+          <a:miter lim="800000"/>
+        </a:ln>
+      </a:lnStyleLst>
+      <a:effectStyleLst>
+        <a:effectStyle>
+          <a:effectLst/>
+        </a:effectStyle>
+        <a:effectStyle>
+          <a:effectLst/>
+        </a:effectStyle>
+        <a:effectStyle>
+          <a:effectLst>
+            <a:outerShdw blurRad="57150" dist="19050" dir="5400000" algn="ctr" rotWithShape="0">
+              <a:srgbClr val="000000">
+                <a:alpha val="63000"/>
+              </a:srgbClr>
+            </a:outerShdw>
+          </a:effectLst>
+        </a:effectStyle>
+      </a:effectStyleLst>
+      <a:bgFillStyleLst>
+        <a:solidFill>
+          <a:schemeClr val="phClr"/>
+        </a:solidFill>
+        <a:solidFill>
+          <a:schemeClr val="phClr">
+            <a:tint val="95000"/>
+            <a:satMod val="170000"/>
+          </a:schemeClr>
+        </a:solidFill>
+        <a:gradFill rotWithShape="1">
+          <a:gsLst>
+            <a:gs pos="0">
+              <a:schemeClr val="phClr">
+                <a:tint val="93000"/>
+                <a:satMod val="150000"/>
+                <a:shade val="98000"/>
+                <a:lumMod val="102000"/>
+              </a:schemeClr>
+            </a:gs>
+            <a:gs pos="50000">
+              <a:schemeClr val="phClr">
+                <a:tint val="98000"/>
+                <a:satMod val="130000"/>
+                <a:shade val="90000"/>
+                <a:lumMod val="103000"/>
+              </a:schemeClr>
+            </a:gs>
+            <a:gs pos="100000">
+              <a:schemeClr val="phClr">
+                <a:shade val="63000"/>
+                <a:satMod val="120000"/>
+              </a:schemeClr>
+            </a:gs>
+          </a:gsLst>
+          <a:lin ang="5400000" scaled="0"/>
+        </a:gradFill>
+      </a:bgFillStyleLst>
+    </a:fmtScheme>
+  </a:themeElements>
+  <a:objectDefaults/>
+  <a:extraClrSchemeLst/>
+  <a:extLst>
+    <a:ext uri="{05A4C25C-085E-4340-85A3-A5531E510DB2}">
+      <thm15:themeFamily xmlns:thm15="http://schemas.microsoft.com/office/thememl/2012/main" name="Office Theme" id="{62F939B6-93AF-4DB8-9C6B-D6C7DFDC589F}" vid="{4A3C46E8-61CC-4603-A589-7422A47A8E4A}"/>
+    </a:ext>
+  </a:extLst>
+</a:theme>
 </file>